--- a/Project - Capstone.pptx
+++ b/Project - Capstone.pptx
@@ -7,7 +7,11 @@
   <p:sldIdLst>
     <p:sldId id="256" r:id="rId2"/>
     <p:sldId id="257" r:id="rId3"/>
-    <p:sldId id="258" r:id="rId4"/>
+    <p:sldId id="259" r:id="rId4"/>
+    <p:sldId id="258" r:id="rId5"/>
+    <p:sldId id="260" r:id="rId6"/>
+    <p:sldId id="263" r:id="rId7"/>
+    <p:sldId id="262" r:id="rId8"/>
   </p:sldIdLst>
   <p:sldSz cx="12192000" cy="6858000"/>
   <p:notesSz cx="6858000" cy="9144000"/>
@@ -106,6 +110,11 @@
       </a:defRPr>
     </a:lvl9pPr>
   </p:defaultTextStyle>
+  <p:extLst>
+    <p:ext uri="{EFAFB233-063F-42B5-8137-9DF3F51BA10A}">
+      <p15:sldGuideLst xmlns:p15="http://schemas.microsoft.com/office/powerpoint/2012/main"/>
+    </p:ext>
+  </p:extLst>
 </p:presentation>
 </file>
 
@@ -256,7 +265,7 @@
           <a:p>
             <a:fld id="{3C6538F4-5735-4B96-9369-B6ACA2D6BFFC}" type="datetimeFigureOut">
               <a:rPr lang="en-US" smtClean="0"/>
-              <a:t>3/15/2020</a:t>
+              <a:t>3/23/2020</a:t>
             </a:fld>
             <a:endParaRPr lang="en-US"/>
           </a:p>
@@ -454,7 +463,7 @@
           <a:p>
             <a:fld id="{3C6538F4-5735-4B96-9369-B6ACA2D6BFFC}" type="datetimeFigureOut">
               <a:rPr lang="en-US" smtClean="0"/>
-              <a:t>3/15/2020</a:t>
+              <a:t>3/23/2020</a:t>
             </a:fld>
             <a:endParaRPr lang="en-US"/>
           </a:p>
@@ -662,7 +671,7 @@
           <a:p>
             <a:fld id="{3C6538F4-5735-4B96-9369-B6ACA2D6BFFC}" type="datetimeFigureOut">
               <a:rPr lang="en-US" smtClean="0"/>
-              <a:t>3/15/2020</a:t>
+              <a:t>3/23/2020</a:t>
             </a:fld>
             <a:endParaRPr lang="en-US"/>
           </a:p>
@@ -860,7 +869,7 @@
           <a:p>
             <a:fld id="{3C6538F4-5735-4B96-9369-B6ACA2D6BFFC}" type="datetimeFigureOut">
               <a:rPr lang="en-US" smtClean="0"/>
-              <a:t>3/15/2020</a:t>
+              <a:t>3/23/2020</a:t>
             </a:fld>
             <a:endParaRPr lang="en-US"/>
           </a:p>
@@ -1135,7 +1144,7 @@
           <a:p>
             <a:fld id="{3C6538F4-5735-4B96-9369-B6ACA2D6BFFC}" type="datetimeFigureOut">
               <a:rPr lang="en-US" smtClean="0"/>
-              <a:t>3/15/2020</a:t>
+              <a:t>3/23/2020</a:t>
             </a:fld>
             <a:endParaRPr lang="en-US"/>
           </a:p>
@@ -1400,7 +1409,7 @@
           <a:p>
             <a:fld id="{3C6538F4-5735-4B96-9369-B6ACA2D6BFFC}" type="datetimeFigureOut">
               <a:rPr lang="en-US" smtClean="0"/>
-              <a:t>3/15/2020</a:t>
+              <a:t>3/23/2020</a:t>
             </a:fld>
             <a:endParaRPr lang="en-US"/>
           </a:p>
@@ -1812,7 +1821,7 @@
           <a:p>
             <a:fld id="{3C6538F4-5735-4B96-9369-B6ACA2D6BFFC}" type="datetimeFigureOut">
               <a:rPr lang="en-US" smtClean="0"/>
-              <a:t>3/15/2020</a:t>
+              <a:t>3/23/2020</a:t>
             </a:fld>
             <a:endParaRPr lang="en-US"/>
           </a:p>
@@ -1953,7 +1962,7 @@
           <a:p>
             <a:fld id="{3C6538F4-5735-4B96-9369-B6ACA2D6BFFC}" type="datetimeFigureOut">
               <a:rPr lang="en-US" smtClean="0"/>
-              <a:t>3/15/2020</a:t>
+              <a:t>3/23/2020</a:t>
             </a:fld>
             <a:endParaRPr lang="en-US"/>
           </a:p>
@@ -2066,7 +2075,7 @@
           <a:p>
             <a:fld id="{3C6538F4-5735-4B96-9369-B6ACA2D6BFFC}" type="datetimeFigureOut">
               <a:rPr lang="en-US" smtClean="0"/>
-              <a:t>3/15/2020</a:t>
+              <a:t>3/23/2020</a:t>
             </a:fld>
             <a:endParaRPr lang="en-US"/>
           </a:p>
@@ -2377,7 +2386,7 @@
           <a:p>
             <a:fld id="{3C6538F4-5735-4B96-9369-B6ACA2D6BFFC}" type="datetimeFigureOut">
               <a:rPr lang="en-US" smtClean="0"/>
-              <a:t>3/15/2020</a:t>
+              <a:t>3/23/2020</a:t>
             </a:fld>
             <a:endParaRPr lang="en-US"/>
           </a:p>
@@ -2665,7 +2674,7 @@
           <a:p>
             <a:fld id="{3C6538F4-5735-4B96-9369-B6ACA2D6BFFC}" type="datetimeFigureOut">
               <a:rPr lang="en-US" smtClean="0"/>
-              <a:t>3/15/2020</a:t>
+              <a:t>3/23/2020</a:t>
             </a:fld>
             <a:endParaRPr lang="en-US"/>
           </a:p>
@@ -2906,7 +2915,7 @@
           <a:p>
             <a:fld id="{3C6538F4-5735-4B96-9369-B6ACA2D6BFFC}" type="datetimeFigureOut">
               <a:rPr lang="en-US" smtClean="0"/>
-              <a:t>3/15/2020</a:t>
+              <a:t>3/23/2020</a:t>
             </a:fld>
             <a:endParaRPr lang="en-US"/>
           </a:p>
@@ -3508,7 +3517,7 @@
           <a:p>
             <a:r>
               <a:rPr lang="en-US" b="1" dirty="0"/>
-              <a:t>Problem Description </a:t>
+              <a:t>Introduction</a:t>
             </a:r>
           </a:p>
         </p:txBody>
@@ -3612,7 +3621,93 @@
           <a:p>
             <a:r>
               <a:rPr lang="en-US" b="1" dirty="0"/>
-              <a:t>Approach  </a:t>
+              <a:t>Data</a:t>
+            </a:r>
+          </a:p>
+        </p:txBody>
+      </p:sp>
+      <p:sp>
+        <p:nvSpPr>
+          <p:cNvPr id="3" name="Content Placeholder 2">
+            <a:extLst>
+              <a:ext uri="{FF2B5EF4-FFF2-40B4-BE49-F238E27FC236}">
+                <a16:creationId xmlns:a16="http://schemas.microsoft.com/office/drawing/2014/main" id="{F8327E0C-181C-4BB3-994D-400D5214573D}"/>
+              </a:ext>
+            </a:extLst>
+          </p:cNvPr>
+          <p:cNvSpPr>
+            <a:spLocks noGrp="1"/>
+          </p:cNvSpPr>
+          <p:nvPr>
+            <p:ph idx="1"/>
+          </p:nvPr>
+        </p:nvSpPr>
+        <p:spPr/>
+        <p:txBody>
+          <a:bodyPr/>
+          <a:lstStyle/>
+          <a:p>
+            <a:r>
+              <a:rPr lang="en-US" dirty="0"/>
+              <a:t>Foursquare database</a:t>
+            </a:r>
+          </a:p>
+        </p:txBody>
+      </p:sp>
+    </p:spTree>
+    <p:extLst>
+      <p:ext uri="{BB962C8B-B14F-4D97-AF65-F5344CB8AC3E}">
+        <p14:creationId xmlns:p14="http://schemas.microsoft.com/office/powerpoint/2010/main" val="3432549703"/>
+      </p:ext>
+    </p:extLst>
+  </p:cSld>
+  <p:clrMapOvr>
+    <a:masterClrMapping/>
+  </p:clrMapOvr>
+</p:sld>
+</file>
+
+<file path=ppt/slides/slide4.xml><?xml version="1.0" encoding="utf-8"?>
+<p:sld xmlns:a="http://schemas.openxmlformats.org/drawingml/2006/main" xmlns:r="http://schemas.openxmlformats.org/officeDocument/2006/relationships" xmlns:p="http://schemas.openxmlformats.org/presentationml/2006/main">
+  <p:cSld>
+    <p:spTree>
+      <p:nvGrpSpPr>
+        <p:cNvPr id="1" name=""/>
+        <p:cNvGrpSpPr/>
+        <p:nvPr/>
+      </p:nvGrpSpPr>
+      <p:grpSpPr>
+        <a:xfrm>
+          <a:off x="0" y="0"/>
+          <a:ext cx="0" cy="0"/>
+          <a:chOff x="0" y="0"/>
+          <a:chExt cx="0" cy="0"/>
+        </a:xfrm>
+      </p:grpSpPr>
+      <p:sp>
+        <p:nvSpPr>
+          <p:cNvPr id="2" name="Title 1">
+            <a:extLst>
+              <a:ext uri="{FF2B5EF4-FFF2-40B4-BE49-F238E27FC236}">
+                <a16:creationId xmlns:a16="http://schemas.microsoft.com/office/drawing/2014/main" id="{5486C0BC-9CB1-4864-A9D9-7CC7B9C0B1CC}"/>
+              </a:ext>
+            </a:extLst>
+          </p:cNvPr>
+          <p:cNvSpPr>
+            <a:spLocks noGrp="1"/>
+          </p:cNvSpPr>
+          <p:nvPr>
+            <p:ph type="title"/>
+          </p:nvPr>
+        </p:nvSpPr>
+        <p:spPr/>
+        <p:txBody>
+          <a:bodyPr/>
+          <a:lstStyle/>
+          <a:p>
+            <a:r>
+              <a:rPr lang="en-US" b="1" dirty="0"/>
+              <a:t>Methodology  </a:t>
             </a:r>
           </a:p>
         </p:txBody>
@@ -3679,6 +3774,315 @@
     <p:extLst>
       <p:ext uri="{BB962C8B-B14F-4D97-AF65-F5344CB8AC3E}">
         <p14:creationId xmlns:p14="http://schemas.microsoft.com/office/powerpoint/2010/main" val="31113776"/>
+      </p:ext>
+    </p:extLst>
+  </p:cSld>
+  <p:clrMapOvr>
+    <a:masterClrMapping/>
+  </p:clrMapOvr>
+</p:sld>
+</file>
+
+<file path=ppt/slides/slide5.xml><?xml version="1.0" encoding="utf-8"?>
+<p:sld xmlns:a="http://schemas.openxmlformats.org/drawingml/2006/main" xmlns:r="http://schemas.openxmlformats.org/officeDocument/2006/relationships" xmlns:p="http://schemas.openxmlformats.org/presentationml/2006/main">
+  <p:cSld>
+    <p:spTree>
+      <p:nvGrpSpPr>
+        <p:cNvPr id="1" name=""/>
+        <p:cNvGrpSpPr/>
+        <p:nvPr/>
+      </p:nvGrpSpPr>
+      <p:grpSpPr>
+        <a:xfrm>
+          <a:off x="0" y="0"/>
+          <a:ext cx="0" cy="0"/>
+          <a:chOff x="0" y="0"/>
+          <a:chExt cx="0" cy="0"/>
+        </a:xfrm>
+      </p:grpSpPr>
+      <p:sp>
+        <p:nvSpPr>
+          <p:cNvPr id="2" name="Title 1">
+            <a:extLst>
+              <a:ext uri="{FF2B5EF4-FFF2-40B4-BE49-F238E27FC236}">
+                <a16:creationId xmlns:a16="http://schemas.microsoft.com/office/drawing/2014/main" id="{5486C0BC-9CB1-4864-A9D9-7CC7B9C0B1CC}"/>
+              </a:ext>
+            </a:extLst>
+          </p:cNvPr>
+          <p:cNvSpPr>
+            <a:spLocks noGrp="1"/>
+          </p:cNvSpPr>
+          <p:nvPr>
+            <p:ph type="title"/>
+          </p:nvPr>
+        </p:nvSpPr>
+        <p:spPr/>
+        <p:txBody>
+          <a:bodyPr/>
+          <a:lstStyle/>
+          <a:p>
+            <a:r>
+              <a:rPr lang="en-US" b="1" dirty="0"/>
+              <a:t>Results  </a:t>
+            </a:r>
+          </a:p>
+        </p:txBody>
+      </p:sp>
+      <p:sp>
+        <p:nvSpPr>
+          <p:cNvPr id="3" name="Content Placeholder 2">
+            <a:extLst>
+              <a:ext uri="{FF2B5EF4-FFF2-40B4-BE49-F238E27FC236}">
+                <a16:creationId xmlns:a16="http://schemas.microsoft.com/office/drawing/2014/main" id="{F8327E0C-181C-4BB3-994D-400D5214573D}"/>
+              </a:ext>
+            </a:extLst>
+          </p:cNvPr>
+          <p:cNvSpPr>
+            <a:spLocks noGrp="1"/>
+          </p:cNvSpPr>
+          <p:nvPr>
+            <p:ph idx="1"/>
+          </p:nvPr>
+        </p:nvSpPr>
+        <p:spPr/>
+        <p:txBody>
+          <a:bodyPr/>
+          <a:lstStyle/>
+          <a:p>
+            <a:r>
+              <a:rPr lang="en-US" dirty="0"/>
+              <a:t>Due to per-day quota on Foursquare API, I’m relying on one input alone</a:t>
+            </a:r>
+          </a:p>
+          <a:p>
+            <a:r>
+              <a:rPr lang="en-US" dirty="0"/>
+              <a:t>The neighborhood that has the highest-rated Italian restaurant will be the pick to open a new Italian restaurant </a:t>
+            </a:r>
+          </a:p>
+          <a:p>
+            <a:pPr lvl="1"/>
+            <a:endParaRPr lang="en-US" dirty="0"/>
+          </a:p>
+        </p:txBody>
+      </p:sp>
+    </p:spTree>
+    <p:extLst>
+      <p:ext uri="{BB962C8B-B14F-4D97-AF65-F5344CB8AC3E}">
+        <p14:creationId xmlns:p14="http://schemas.microsoft.com/office/powerpoint/2010/main" val="3118580661"/>
+      </p:ext>
+    </p:extLst>
+  </p:cSld>
+  <p:clrMapOvr>
+    <a:masterClrMapping/>
+  </p:clrMapOvr>
+</p:sld>
+</file>
+
+<file path=ppt/slides/slide6.xml><?xml version="1.0" encoding="utf-8"?>
+<p:sld xmlns:a="http://schemas.openxmlformats.org/drawingml/2006/main" xmlns:r="http://schemas.openxmlformats.org/officeDocument/2006/relationships" xmlns:p="http://schemas.openxmlformats.org/presentationml/2006/main">
+  <p:cSld>
+    <p:spTree>
+      <p:nvGrpSpPr>
+        <p:cNvPr id="1" name=""/>
+        <p:cNvGrpSpPr/>
+        <p:nvPr/>
+      </p:nvGrpSpPr>
+      <p:grpSpPr>
+        <a:xfrm>
+          <a:off x="0" y="0"/>
+          <a:ext cx="0" cy="0"/>
+          <a:chOff x="0" y="0"/>
+          <a:chExt cx="0" cy="0"/>
+        </a:xfrm>
+      </p:grpSpPr>
+      <p:sp>
+        <p:nvSpPr>
+          <p:cNvPr id="2" name="Title 1">
+            <a:extLst>
+              <a:ext uri="{FF2B5EF4-FFF2-40B4-BE49-F238E27FC236}">
+                <a16:creationId xmlns:a16="http://schemas.microsoft.com/office/drawing/2014/main" id="{5486C0BC-9CB1-4864-A9D9-7CC7B9C0B1CC}"/>
+              </a:ext>
+            </a:extLst>
+          </p:cNvPr>
+          <p:cNvSpPr>
+            <a:spLocks noGrp="1"/>
+          </p:cNvSpPr>
+          <p:nvPr>
+            <p:ph type="title"/>
+          </p:nvPr>
+        </p:nvSpPr>
+        <p:spPr/>
+        <p:txBody>
+          <a:bodyPr/>
+          <a:lstStyle/>
+          <a:p>
+            <a:r>
+              <a:rPr lang="en-US" b="1" dirty="0"/>
+              <a:t>Discussion   </a:t>
+            </a:r>
+          </a:p>
+        </p:txBody>
+      </p:sp>
+      <p:sp>
+        <p:nvSpPr>
+          <p:cNvPr id="3" name="Content Placeholder 2">
+            <a:extLst>
+              <a:ext uri="{FF2B5EF4-FFF2-40B4-BE49-F238E27FC236}">
+                <a16:creationId xmlns:a16="http://schemas.microsoft.com/office/drawing/2014/main" id="{F8327E0C-181C-4BB3-994D-400D5214573D}"/>
+              </a:ext>
+            </a:extLst>
+          </p:cNvPr>
+          <p:cNvSpPr>
+            <a:spLocks noGrp="1"/>
+          </p:cNvSpPr>
+          <p:nvPr>
+            <p:ph idx="1"/>
+          </p:nvPr>
+        </p:nvSpPr>
+        <p:spPr/>
+        <p:txBody>
+          <a:bodyPr/>
+          <a:lstStyle/>
+          <a:p>
+            <a:r>
+              <a:rPr lang="en-US" dirty="0"/>
+              <a:t>A few other inputs that can be relied upon</a:t>
+            </a:r>
+          </a:p>
+          <a:p>
+            <a:endParaRPr lang="en-US" dirty="0"/>
+          </a:p>
+          <a:p>
+            <a:pPr lvl="1"/>
+            <a:r>
+              <a:rPr lang="en-US" dirty="0"/>
+              <a:t>Pick neighborhoods with top-5 rated Italian restaurants</a:t>
+            </a:r>
+          </a:p>
+          <a:p>
+            <a:pPr lvl="1"/>
+            <a:r>
+              <a:rPr lang="en-US" dirty="0"/>
+              <a:t>Look for density of Italian restaurants in this neighborhood</a:t>
+            </a:r>
+          </a:p>
+          <a:p>
+            <a:pPr lvl="1"/>
+            <a:r>
+              <a:rPr lang="en-US" dirty="0"/>
+              <a:t>If we can get insights on the population of each neighborhood, that will be an additional input</a:t>
+            </a:r>
+          </a:p>
+          <a:p>
+            <a:pPr lvl="1"/>
+            <a:endParaRPr lang="en-US" dirty="0"/>
+          </a:p>
+          <a:p>
+            <a:pPr lvl="1"/>
+            <a:r>
+              <a:rPr lang="en-US" dirty="0"/>
+              <a:t>A neighborhood with the top-rated Italian restaurant, lowest density of Italian restaurants and highest population density would be the ideal neighborhood</a:t>
+            </a:r>
+          </a:p>
+          <a:p>
+            <a:pPr lvl="1"/>
+            <a:endParaRPr lang="en-US" dirty="0"/>
+          </a:p>
+          <a:p>
+            <a:pPr lvl="1"/>
+            <a:endParaRPr lang="en-US" dirty="0"/>
+          </a:p>
+        </p:txBody>
+      </p:sp>
+    </p:spTree>
+    <p:extLst>
+      <p:ext uri="{BB962C8B-B14F-4D97-AF65-F5344CB8AC3E}">
+        <p14:creationId xmlns:p14="http://schemas.microsoft.com/office/powerpoint/2010/main" val="98771552"/>
+      </p:ext>
+    </p:extLst>
+  </p:cSld>
+  <p:clrMapOvr>
+    <a:masterClrMapping/>
+  </p:clrMapOvr>
+</p:sld>
+</file>
+
+<file path=ppt/slides/slide7.xml><?xml version="1.0" encoding="utf-8"?>
+<p:sld xmlns:a="http://schemas.openxmlformats.org/drawingml/2006/main" xmlns:r="http://schemas.openxmlformats.org/officeDocument/2006/relationships" xmlns:p="http://schemas.openxmlformats.org/presentationml/2006/main">
+  <p:cSld>
+    <p:spTree>
+      <p:nvGrpSpPr>
+        <p:cNvPr id="1" name=""/>
+        <p:cNvGrpSpPr/>
+        <p:nvPr/>
+      </p:nvGrpSpPr>
+      <p:grpSpPr>
+        <a:xfrm>
+          <a:off x="0" y="0"/>
+          <a:ext cx="0" cy="0"/>
+          <a:chOff x="0" y="0"/>
+          <a:chExt cx="0" cy="0"/>
+        </a:xfrm>
+      </p:grpSpPr>
+      <p:sp>
+        <p:nvSpPr>
+          <p:cNvPr id="2" name="Title 1">
+            <a:extLst>
+              <a:ext uri="{FF2B5EF4-FFF2-40B4-BE49-F238E27FC236}">
+                <a16:creationId xmlns:a16="http://schemas.microsoft.com/office/drawing/2014/main" id="{5486C0BC-9CB1-4864-A9D9-7CC7B9C0B1CC}"/>
+              </a:ext>
+            </a:extLst>
+          </p:cNvPr>
+          <p:cNvSpPr>
+            <a:spLocks noGrp="1"/>
+          </p:cNvSpPr>
+          <p:nvPr>
+            <p:ph type="title"/>
+          </p:nvPr>
+        </p:nvSpPr>
+        <p:spPr/>
+        <p:txBody>
+          <a:bodyPr/>
+          <a:lstStyle/>
+          <a:p>
+            <a:r>
+              <a:rPr lang="en-US" b="1" dirty="0"/>
+              <a:t>Conclusion   </a:t>
+            </a:r>
+          </a:p>
+        </p:txBody>
+      </p:sp>
+      <p:sp>
+        <p:nvSpPr>
+          <p:cNvPr id="3" name="Content Placeholder 2">
+            <a:extLst>
+              <a:ext uri="{FF2B5EF4-FFF2-40B4-BE49-F238E27FC236}">
+                <a16:creationId xmlns:a16="http://schemas.microsoft.com/office/drawing/2014/main" id="{F8327E0C-181C-4BB3-994D-400D5214573D}"/>
+              </a:ext>
+            </a:extLst>
+          </p:cNvPr>
+          <p:cNvSpPr>
+            <a:spLocks noGrp="1"/>
+          </p:cNvSpPr>
+          <p:nvPr>
+            <p:ph idx="1"/>
+          </p:nvPr>
+        </p:nvSpPr>
+        <p:spPr/>
+        <p:txBody>
+          <a:bodyPr/>
+          <a:lstStyle/>
+          <a:p>
+            <a:pPr lvl="1"/>
+            <a:endParaRPr lang="en-US" dirty="0"/>
+          </a:p>
+        </p:txBody>
+      </p:sp>
+    </p:spTree>
+    <p:extLst>
+      <p:ext uri="{BB962C8B-B14F-4D97-AF65-F5344CB8AC3E}">
+        <p14:creationId xmlns:p14="http://schemas.microsoft.com/office/powerpoint/2010/main" val="1196759667"/>
       </p:ext>
     </p:extLst>
   </p:cSld>

--- a/Project - Capstone.pptx
+++ b/Project - Capstone.pptx
@@ -4075,7 +4075,14 @@
           <a:lstStyle/>
           <a:p>
             <a:pPr lvl="1"/>
-            <a:endParaRPr lang="en-US" dirty="0"/>
+            <a:r>
+              <a:rPr lang="en-US" dirty="0" err="1"/>
+              <a:t>Yange</a:t>
+            </a:r>
+            <a:r>
+              <a:rPr lang="en-US" dirty="0"/>
+              <a:t> Street in Toronto is the pick to open an Italian Restaurant</a:t>
+            </a:r>
           </a:p>
         </p:txBody>
       </p:sp>
